--- a/img/favicons/sc_logo_blue.pptx
+++ b/img/favicons/sc_logo_blue.pptx
@@ -243,7 +243,7 @@
           <a:p>
             <a:fld id="{EEB6241C-A713-4630-9562-3A5EAA433FD2}" type="datetimeFigureOut">
               <a:rPr lang="de-DE" smtClean="0"/>
-              <a:t>26.10.2015</a:t>
+              <a:t>16.12.2015</a:t>
             </a:fld>
             <a:endParaRPr lang="de-DE"/>
           </a:p>
@@ -413,7 +413,7 @@
           <a:p>
             <a:fld id="{EEB6241C-A713-4630-9562-3A5EAA433FD2}" type="datetimeFigureOut">
               <a:rPr lang="de-DE" smtClean="0"/>
-              <a:t>26.10.2015</a:t>
+              <a:t>16.12.2015</a:t>
             </a:fld>
             <a:endParaRPr lang="de-DE"/>
           </a:p>
@@ -593,7 +593,7 @@
           <a:p>
             <a:fld id="{EEB6241C-A713-4630-9562-3A5EAA433FD2}" type="datetimeFigureOut">
               <a:rPr lang="de-DE" smtClean="0"/>
-              <a:t>26.10.2015</a:t>
+              <a:t>16.12.2015</a:t>
             </a:fld>
             <a:endParaRPr lang="de-DE"/>
           </a:p>
@@ -763,7 +763,7 @@
           <a:p>
             <a:fld id="{EEB6241C-A713-4630-9562-3A5EAA433FD2}" type="datetimeFigureOut">
               <a:rPr lang="de-DE" smtClean="0"/>
-              <a:t>26.10.2015</a:t>
+              <a:t>16.12.2015</a:t>
             </a:fld>
             <a:endParaRPr lang="de-DE"/>
           </a:p>
@@ -1007,7 +1007,7 @@
           <a:p>
             <a:fld id="{EEB6241C-A713-4630-9562-3A5EAA433FD2}" type="datetimeFigureOut">
               <a:rPr lang="de-DE" smtClean="0"/>
-              <a:t>26.10.2015</a:t>
+              <a:t>16.12.2015</a:t>
             </a:fld>
             <a:endParaRPr lang="de-DE"/>
           </a:p>
@@ -1239,7 +1239,7 @@
           <a:p>
             <a:fld id="{EEB6241C-A713-4630-9562-3A5EAA433FD2}" type="datetimeFigureOut">
               <a:rPr lang="de-DE" smtClean="0"/>
-              <a:t>26.10.2015</a:t>
+              <a:t>16.12.2015</a:t>
             </a:fld>
             <a:endParaRPr lang="de-DE"/>
           </a:p>
@@ -1606,7 +1606,7 @@
           <a:p>
             <a:fld id="{EEB6241C-A713-4630-9562-3A5EAA433FD2}" type="datetimeFigureOut">
               <a:rPr lang="de-DE" smtClean="0"/>
-              <a:t>26.10.2015</a:t>
+              <a:t>16.12.2015</a:t>
             </a:fld>
             <a:endParaRPr lang="de-DE"/>
           </a:p>
@@ -1724,7 +1724,7 @@
           <a:p>
             <a:fld id="{EEB6241C-A713-4630-9562-3A5EAA433FD2}" type="datetimeFigureOut">
               <a:rPr lang="de-DE" smtClean="0"/>
-              <a:t>26.10.2015</a:t>
+              <a:t>16.12.2015</a:t>
             </a:fld>
             <a:endParaRPr lang="de-DE"/>
           </a:p>
@@ -1819,7 +1819,7 @@
           <a:p>
             <a:fld id="{EEB6241C-A713-4630-9562-3A5EAA433FD2}" type="datetimeFigureOut">
               <a:rPr lang="de-DE" smtClean="0"/>
-              <a:t>26.10.2015</a:t>
+              <a:t>16.12.2015</a:t>
             </a:fld>
             <a:endParaRPr lang="de-DE"/>
           </a:p>
@@ -2096,7 +2096,7 @@
           <a:p>
             <a:fld id="{EEB6241C-A713-4630-9562-3A5EAA433FD2}" type="datetimeFigureOut">
               <a:rPr lang="de-DE" smtClean="0"/>
-              <a:t>26.10.2015</a:t>
+              <a:t>16.12.2015</a:t>
             </a:fld>
             <a:endParaRPr lang="de-DE"/>
           </a:p>
@@ -2353,7 +2353,7 @@
           <a:p>
             <a:fld id="{EEB6241C-A713-4630-9562-3A5EAA433FD2}" type="datetimeFigureOut">
               <a:rPr lang="de-DE" smtClean="0"/>
-              <a:t>26.10.2015</a:t>
+              <a:t>16.12.2015</a:t>
             </a:fld>
             <a:endParaRPr lang="de-DE"/>
           </a:p>
@@ -2566,7 +2566,7 @@
           <a:p>
             <a:fld id="{EEB6241C-A713-4630-9562-3A5EAA433FD2}" type="datetimeFigureOut">
               <a:rPr lang="de-DE" smtClean="0"/>
-              <a:t>26.10.2015</a:t>
+              <a:t>16.12.2015</a:t>
             </a:fld>
             <a:endParaRPr lang="de-DE"/>
           </a:p>
@@ -2960,7 +2960,7 @@
     <p:bg>
       <p:bgPr>
         <a:solidFill>
-          <a:srgbClr val="003359"/>
+          <a:srgbClr val="195B8B"/>
         </a:solidFill>
         <a:effectLst/>
       </p:bgPr>
@@ -2994,7 +2994,7 @@
             <a:avLst/>
           </a:prstGeom>
           <a:solidFill>
-            <a:srgbClr val="D20015"/>
+            <a:srgbClr val="FF5252"/>
           </a:solidFill>
           <a:ln w="28575">
             <a:noFill/>
